--- a/Administration/quadchart_drew_austin_11_18.pptx
+++ b/Administration/quadchart_drew_austin_11_18.pptx
@@ -288,7 +288,7 @@
           <a:p>
             <a:fld id="{33508700-34BC-8E4C-A60A-64E4DD6311BC}" type="datetimeFigureOut">
               <a:rPr lang="en-US" smtClean="0"/>
-              <a:t>11/17/15</a:t>
+              <a:t>12/1/15</a:t>
             </a:fld>
             <a:endParaRPr lang="en-US"/>
           </a:p>
@@ -458,7 +458,7 @@
           <a:p>
             <a:fld id="{33508700-34BC-8E4C-A60A-64E4DD6311BC}" type="datetimeFigureOut">
               <a:rPr lang="en-US" smtClean="0"/>
-              <a:t>11/17/15</a:t>
+              <a:t>12/1/15</a:t>
             </a:fld>
             <a:endParaRPr lang="en-US"/>
           </a:p>
@@ -638,7 +638,7 @@
           <a:p>
             <a:fld id="{33508700-34BC-8E4C-A60A-64E4DD6311BC}" type="datetimeFigureOut">
               <a:rPr lang="en-US" smtClean="0"/>
-              <a:t>11/17/15</a:t>
+              <a:t>12/1/15</a:t>
             </a:fld>
             <a:endParaRPr lang="en-US"/>
           </a:p>
@@ -808,7 +808,7 @@
           <a:p>
             <a:fld id="{33508700-34BC-8E4C-A60A-64E4DD6311BC}" type="datetimeFigureOut">
               <a:rPr lang="en-US" smtClean="0"/>
-              <a:t>11/17/15</a:t>
+              <a:t>12/1/15</a:t>
             </a:fld>
             <a:endParaRPr lang="en-US"/>
           </a:p>
@@ -1054,7 +1054,7 @@
           <a:p>
             <a:fld id="{33508700-34BC-8E4C-A60A-64E4DD6311BC}" type="datetimeFigureOut">
               <a:rPr lang="en-US" smtClean="0"/>
-              <a:t>11/17/15</a:t>
+              <a:t>12/1/15</a:t>
             </a:fld>
             <a:endParaRPr lang="en-US"/>
           </a:p>
@@ -1342,7 +1342,7 @@
           <a:p>
             <a:fld id="{33508700-34BC-8E4C-A60A-64E4DD6311BC}" type="datetimeFigureOut">
               <a:rPr lang="en-US" smtClean="0"/>
-              <a:t>11/17/15</a:t>
+              <a:t>12/1/15</a:t>
             </a:fld>
             <a:endParaRPr lang="en-US"/>
           </a:p>
@@ -1764,7 +1764,7 @@
           <a:p>
             <a:fld id="{33508700-34BC-8E4C-A60A-64E4DD6311BC}" type="datetimeFigureOut">
               <a:rPr lang="en-US" smtClean="0"/>
-              <a:t>11/17/15</a:t>
+              <a:t>12/1/15</a:t>
             </a:fld>
             <a:endParaRPr lang="en-US"/>
           </a:p>
@@ -1882,7 +1882,7 @@
           <a:p>
             <a:fld id="{33508700-34BC-8E4C-A60A-64E4DD6311BC}" type="datetimeFigureOut">
               <a:rPr lang="en-US" smtClean="0"/>
-              <a:t>11/17/15</a:t>
+              <a:t>12/1/15</a:t>
             </a:fld>
             <a:endParaRPr lang="en-US"/>
           </a:p>
@@ -1977,7 +1977,7 @@
           <a:p>
             <a:fld id="{33508700-34BC-8E4C-A60A-64E4DD6311BC}" type="datetimeFigureOut">
               <a:rPr lang="en-US" smtClean="0"/>
-              <a:t>11/17/15</a:t>
+              <a:t>12/1/15</a:t>
             </a:fld>
             <a:endParaRPr lang="en-US"/>
           </a:p>
@@ -2254,7 +2254,7 @@
           <a:p>
             <a:fld id="{33508700-34BC-8E4C-A60A-64E4DD6311BC}" type="datetimeFigureOut">
               <a:rPr lang="en-US" smtClean="0"/>
-              <a:t>11/17/15</a:t>
+              <a:t>12/1/15</a:t>
             </a:fld>
             <a:endParaRPr lang="en-US"/>
           </a:p>
@@ -2507,7 +2507,7 @@
           <a:p>
             <a:fld id="{33508700-34BC-8E4C-A60A-64E4DD6311BC}" type="datetimeFigureOut">
               <a:rPr lang="en-US" smtClean="0"/>
-              <a:t>11/17/15</a:t>
+              <a:t>12/1/15</a:t>
             </a:fld>
             <a:endParaRPr lang="en-US"/>
           </a:p>
@@ -2720,7 +2720,7 @@
           <a:p>
             <a:fld id="{33508700-34BC-8E4C-A60A-64E4DD6311BC}" type="datetimeFigureOut">
               <a:rPr lang="en-US" smtClean="0"/>
-              <a:t>11/17/15</a:t>
+              <a:t>12/1/15</a:t>
             </a:fld>
             <a:endParaRPr lang="en-US"/>
           </a:p>
@@ -3404,14 +3404,7 @@
                 <a:latin typeface="Candara"/>
                 <a:cs typeface="Candara"/>
               </a:rPr>
-              <a:t>Big Picture </a:t>
-            </a:r>
-            <a:r>
-              <a:rPr lang="en-US" dirty="0" smtClean="0">
-                <a:latin typeface="Candara"/>
-                <a:cs typeface="Candara"/>
-              </a:rPr>
-              <a:t>Task</a:t>
+              <a:t>Big Picture Task</a:t>
             </a:r>
           </a:p>
           <a:p>
@@ -3488,7 +3481,7 @@
         <p:spPr>
           <a:xfrm>
             <a:off x="4561476" y="850054"/>
-            <a:ext cx="4582523" cy="1200329"/>
+            <a:ext cx="4582523" cy="2031325"/>
           </a:xfrm>
           <a:prstGeom prst="rect">
             <a:avLst/>
@@ -3552,7 +3545,54 @@
                 <a:latin typeface="Candara"/>
                 <a:cs typeface="Candara"/>
               </a:rPr>
-              <a:t> are underway</a:t>
+              <a:t> are </a:t>
+            </a:r>
+            <a:r>
+              <a:rPr lang="en-US" dirty="0" smtClean="0">
+                <a:latin typeface="Candara"/>
+                <a:cs typeface="Candara"/>
+              </a:rPr>
+              <a:t>underway</a:t>
+            </a:r>
+          </a:p>
+          <a:p>
+            <a:pPr marL="285750" indent="-285750">
+              <a:buFont typeface="Arial"/>
+              <a:buChar char="•"/>
+            </a:pPr>
+            <a:r>
+              <a:rPr lang="en-US" dirty="0" smtClean="0">
+                <a:latin typeface="Candara"/>
+                <a:cs typeface="Candara"/>
+              </a:rPr>
+              <a:t>Have been able to feed vision pose to </a:t>
+            </a:r>
+            <a:r>
+              <a:rPr lang="en-US" dirty="0" err="1" smtClean="0">
+                <a:latin typeface="Candara"/>
+                <a:cs typeface="Candara"/>
+              </a:rPr>
+              <a:t>pixhawk</a:t>
+            </a:r>
+            <a:r>
+              <a:rPr lang="en-US" dirty="0" smtClean="0">
+                <a:latin typeface="Candara"/>
+                <a:cs typeface="Candara"/>
+              </a:rPr>
+              <a:t> estimators </a:t>
+            </a:r>
+          </a:p>
+          <a:p>
+            <a:pPr marL="285750" indent="-285750">
+              <a:buFont typeface="Arial"/>
+              <a:buChar char="•"/>
+            </a:pPr>
+            <a:r>
+              <a:rPr lang="en-US" dirty="0" smtClean="0">
+                <a:latin typeface="Candara"/>
+                <a:cs typeface="Candara"/>
+              </a:rPr>
+              <a:t>Yaw commands appear to being accepted</a:t>
             </a:r>
             <a:endParaRPr lang="en-US" dirty="0" smtClean="0">
               <a:latin typeface="Candara"/>
@@ -3588,14 +3628,7 @@
                 <a:latin typeface="Candara"/>
                 <a:cs typeface="Candara"/>
               </a:rPr>
-              <a:t>Proposed Solution / </a:t>
-            </a:r>
-            <a:r>
-              <a:rPr lang="en-US" dirty="0" smtClean="0">
-                <a:latin typeface="Candara"/>
-                <a:cs typeface="Candara"/>
-              </a:rPr>
-              <a:t>Justification</a:t>
+              <a:t>Proposed Solution / Justification</a:t>
             </a:r>
           </a:p>
           <a:p>
@@ -3661,14 +3694,7 @@
                 <a:latin typeface="Candara"/>
                 <a:cs typeface="Candara"/>
               </a:rPr>
-              <a:t>setpoint</a:t>
-            </a:r>
-            <a:r>
-              <a:rPr lang="en-US" dirty="0" err="1" smtClean="0">
-                <a:latin typeface="Candara"/>
-                <a:cs typeface="Candara"/>
-              </a:rPr>
-              <a:t>s</a:t>
+              <a:t>setpoints</a:t>
             </a:r>
             <a:r>
               <a:rPr lang="en-US" dirty="0" smtClean="0">
@@ -3690,10 +3716,6 @@
               </a:rPr>
               <a:t>Use RTAB position in the long run</a:t>
             </a:r>
-            <a:endParaRPr lang="en-US" dirty="0" smtClean="0">
-              <a:latin typeface="Candara"/>
-              <a:cs typeface="Candara"/>
-            </a:endParaRPr>
           </a:p>
         </p:txBody>
       </p:sp>
@@ -3706,7 +3728,7 @@
         <p:spPr>
           <a:xfrm>
             <a:off x="4561476" y="3862750"/>
-            <a:ext cx="4561476" cy="2031325"/>
+            <a:ext cx="4561476" cy="2585323"/>
           </a:xfrm>
           <a:prstGeom prst="rect">
             <a:avLst/>
@@ -3724,21 +3746,27 @@
                 <a:latin typeface="Candara"/>
                 <a:cs typeface="Candara"/>
               </a:rPr>
-              <a:t>Path </a:t>
-            </a:r>
+              <a:t>Path Forward</a:t>
+            </a:r>
+          </a:p>
+          <a:p>
+            <a:endParaRPr lang="en-US" dirty="0">
+              <a:latin typeface="Candara"/>
+              <a:cs typeface="Candara"/>
+            </a:endParaRPr>
+          </a:p>
+          <a:p>
+            <a:pPr marL="285750" indent="-285750">
+              <a:buFont typeface="Arial"/>
+              <a:buChar char="•"/>
+            </a:pPr>
             <a:r>
               <a:rPr lang="en-US" dirty="0" smtClean="0">
                 <a:latin typeface="Candara"/>
                 <a:cs typeface="Candara"/>
               </a:rPr>
-              <a:t>Forward</a:t>
-            </a:r>
-          </a:p>
-          <a:p>
-            <a:endParaRPr lang="en-US" dirty="0">
-              <a:latin typeface="Candara"/>
-              <a:cs typeface="Candara"/>
-            </a:endParaRPr>
+              <a:t>Flight test yaw control</a:t>
+            </a:r>
           </a:p>
           <a:p>
             <a:pPr marL="285750" indent="-285750">
@@ -3746,11 +3774,38 @@
               <a:buChar char="•"/>
             </a:pPr>
             <a:r>
+              <a:rPr lang="en-US" dirty="0" smtClean="0">
+                <a:latin typeface="Candara"/>
+                <a:cs typeface="Candara"/>
+              </a:rPr>
+              <a:t>Flight test non </a:t>
+            </a:r>
+            <a:r>
+              <a:rPr lang="en-US" smtClean="0">
+                <a:latin typeface="Candara"/>
+                <a:cs typeface="Candara"/>
+              </a:rPr>
+              <a:t>origin waypoints</a:t>
+            </a:r>
+          </a:p>
+          <a:p>
+            <a:pPr marL="285750" indent="-285750">
+              <a:buFont typeface="Arial"/>
+              <a:buChar char="•"/>
+            </a:pPr>
+            <a:r>
+              <a:rPr lang="en-US" dirty="0" smtClean="0">
+                <a:latin typeface="Candara"/>
+                <a:cs typeface="Candara"/>
+              </a:rPr>
+              <a:t>Gain </a:t>
+            </a:r>
+            <a:r>
               <a:rPr lang="en-US" dirty="0">
                 <a:latin typeface="Candara"/>
                 <a:cs typeface="Candara"/>
               </a:rPr>
-              <a:t>Gain tuning is in progress in tandem with </a:t>
+              <a:t>tuning is in progress in tandem with </a:t>
             </a:r>
             <a:r>
               <a:rPr lang="en-US" dirty="0" err="1">
